--- a/수업자료/6. 레이아웃.pptx
+++ b/수업자료/6. 레이아웃.pptx
@@ -304,7 +304,7 @@
       </p15:notesGuideLst>
     </p:ext>
     <p:ext uri="http://customooxmlschemas.google.com/">
-      <go:slidesCustomData xmlns:go="http://customooxmlschemas.google.com/" xmlns:ahyp="http://schemas.microsoft.com/office/drawing/2018/hyperlinkcolor" xmlns:p15="http://schemas.microsoft.com/office/powerpoint/2012/main" xmlns:p14="http://schemas.microsoft.com/office/powerpoint/2010/main" xmlns:com="http://schemas.openxmlformats.org/drawingml/2006/compatibility" xmlns:pvml="urn:schemas-microsoft-com:office:powerpoint" xmlns:v="urn:schemas-microsoft-com:vml" xmlns:o="urn:schemas-microsoft-com:office:office" xmlns:dgm="http://schemas.openxmlformats.org/drawingml/2006/diagram" xmlns:c="http://schemas.openxmlformats.org/drawingml/2006/chart" xmlns:mv="urn:schemas-microsoft-com:mac:vml" xmlns:mc="http://schemas.openxmlformats.org/markup-compatibility/2006" xmlns="" r:id="rId41" roundtripDataSignature="AMtx7mgjFjosEjCJIpTB0q1akofdHAg2gg=="/>
+      <go:slidesCustomData xmlns="" xmlns:mc="http://schemas.openxmlformats.org/markup-compatibility/2006" xmlns:mv="urn:schemas-microsoft-com:mac:vml" xmlns:c="http://schemas.openxmlformats.org/drawingml/2006/chart" xmlns:dgm="http://schemas.openxmlformats.org/drawingml/2006/diagram" xmlns:o="urn:schemas-microsoft-com:office:office" xmlns:v="urn:schemas-microsoft-com:vml" xmlns:pvml="urn:schemas-microsoft-com:office:powerpoint" xmlns:com="http://schemas.openxmlformats.org/drawingml/2006/compatibility" xmlns:p14="http://schemas.microsoft.com/office/powerpoint/2010/main" xmlns:p15="http://schemas.microsoft.com/office/powerpoint/2012/main" xmlns:ahyp="http://schemas.microsoft.com/office/drawing/2018/hyperlinkcolor" xmlns:go="http://customooxmlschemas.google.com/" r:id="rId41" roundtripDataSignature="AMtx7mgjFjosEjCJIpTB0q1akofdHAg2gg=="/>
     </p:ext>
   </p:extLst>
 </p:presentation>
@@ -16400,7 +16400,7 @@
               <a:buNone/>
             </a:pPr>
             <a:r>
-              <a:rPr lang="en-US" sz="2339" b="1">
+              <a:rPr lang="en-US" sz="2339" b="1" dirty="0">
                 <a:solidFill>
                   <a:schemeClr val="dk1"/>
                 </a:solidFill>
@@ -16411,7 +16411,7 @@
               </a:rPr>
               <a:t>&lt;!DOCTYPE html&gt;</a:t>
             </a:r>
-            <a:endParaRPr/>
+            <a:endParaRPr dirty="0"/>
           </a:p>
           <a:p>
             <a:pPr marL="0" marR="0" lvl="0" indent="0" algn="l" rtl="0">
@@ -16429,7 +16429,7 @@
               <a:buNone/>
             </a:pPr>
             <a:r>
-              <a:rPr lang="en-US" sz="2339" b="1">
+              <a:rPr lang="en-US" sz="2339" b="1" dirty="0">
                 <a:solidFill>
                   <a:schemeClr val="dk1"/>
                 </a:solidFill>
@@ -16440,7 +16440,7 @@
               </a:rPr>
               <a:t>&lt;html&gt;</a:t>
             </a:r>
-            <a:endParaRPr/>
+            <a:endParaRPr dirty="0"/>
           </a:p>
           <a:p>
             <a:pPr marL="0" marR="0" lvl="0" indent="0" algn="l" rtl="0">
@@ -16458,7 +16458,7 @@
               <a:buNone/>
             </a:pPr>
             <a:r>
-              <a:rPr lang="en-US" sz="2339" b="1">
+              <a:rPr lang="en-US" sz="2339" b="1" dirty="0">
                 <a:solidFill>
                   <a:schemeClr val="dk1"/>
                 </a:solidFill>
@@ -16469,7 +16469,7 @@
               </a:rPr>
               <a:t>&lt;head&gt;</a:t>
             </a:r>
-            <a:endParaRPr/>
+            <a:endParaRPr dirty="0"/>
           </a:p>
           <a:p>
             <a:pPr marL="0" marR="0" lvl="0" indent="0" algn="l" rtl="0">
@@ -16487,7 +16487,7 @@
               <a:buNone/>
             </a:pPr>
             <a:r>
-              <a:rPr lang="en-US" sz="2339" b="1">
+              <a:rPr lang="en-US" sz="2339" b="1" dirty="0">
                 <a:solidFill>
                   <a:schemeClr val="dk1"/>
                 </a:solidFill>
@@ -16498,7 +16498,7 @@
               </a:rPr>
               <a:t>    &lt;title&gt;My Blog Page&lt;/title&gt;</a:t>
             </a:r>
-            <a:endParaRPr/>
+            <a:endParaRPr dirty="0"/>
           </a:p>
           <a:p>
             <a:pPr marL="0" marR="0" lvl="0" indent="0" algn="l" rtl="0">
@@ -16516,7 +16516,7 @@
               <a:buNone/>
             </a:pPr>
             <a:r>
-              <a:rPr lang="en-US" sz="2339" b="1">
+              <a:rPr lang="en-US" sz="2339" b="1" dirty="0">
                 <a:solidFill>
                   <a:schemeClr val="dk1"/>
                 </a:solidFill>
@@ -16527,7 +16527,7 @@
               </a:rPr>
               <a:t>    &lt;style&gt;</a:t>
             </a:r>
-            <a:endParaRPr/>
+            <a:endParaRPr dirty="0"/>
           </a:p>
           <a:p>
             <a:pPr marL="0" marR="0" lvl="0" indent="0" algn="l" rtl="0">
@@ -16545,7 +16545,7 @@
               <a:buNone/>
             </a:pPr>
             <a:r>
-              <a:rPr lang="en-US" sz="2339" b="1">
+              <a:rPr lang="en-US" sz="2339" b="1" dirty="0">
                 <a:solidFill>
                   <a:schemeClr val="dk1"/>
                 </a:solidFill>
@@ -16556,7 +16556,7 @@
               </a:rPr>
               <a:t>#header {</a:t>
             </a:r>
-            <a:endParaRPr/>
+            <a:endParaRPr dirty="0"/>
           </a:p>
           <a:p>
             <a:pPr marL="0" marR="0" lvl="0" indent="0" algn="l" rtl="0">
@@ -16574,7 +16574,7 @@
               <a:buNone/>
             </a:pPr>
             <a:r>
-              <a:rPr lang="en-US" sz="2339" b="1">
+              <a:rPr lang="en-US" sz="2339" b="1" dirty="0">
                 <a:solidFill>
                   <a:schemeClr val="dk1"/>
                 </a:solidFill>
@@ -16585,7 +16585,7 @@
               </a:rPr>
               <a:t>    background-color: yellow;</a:t>
             </a:r>
-            <a:endParaRPr/>
+            <a:endParaRPr dirty="0"/>
           </a:p>
           <a:p>
             <a:pPr marL="0" marR="0" lvl="0" indent="0" algn="l" rtl="0">
@@ -16603,7 +16603,7 @@
               <a:buNone/>
             </a:pPr>
             <a:r>
-              <a:rPr lang="en-US" sz="2339" b="1">
+              <a:rPr lang="en-US" sz="2339" b="1" dirty="0">
                 <a:solidFill>
                   <a:schemeClr val="dk1"/>
                 </a:solidFill>
@@ -16614,7 +16614,7 @@
               </a:rPr>
               <a:t>    width: 100%;</a:t>
             </a:r>
-            <a:endParaRPr/>
+            <a:endParaRPr dirty="0"/>
           </a:p>
           <a:p>
             <a:pPr marL="0" marR="0" lvl="0" indent="0" algn="l" rtl="0">
@@ -16632,7 +16632,7 @@
               <a:buNone/>
             </a:pPr>
             <a:r>
-              <a:rPr lang="en-US" sz="2339" b="1">
+              <a:rPr lang="en-US" sz="2339" b="1" dirty="0">
                 <a:solidFill>
                   <a:schemeClr val="dk1"/>
                 </a:solidFill>
@@ -16643,7 +16643,7 @@
               </a:rPr>
               <a:t>    height: 50px;</a:t>
             </a:r>
-            <a:endParaRPr/>
+            <a:endParaRPr dirty="0"/>
           </a:p>
           <a:p>
             <a:pPr marL="0" marR="0" lvl="0" indent="0" algn="l" rtl="0">
@@ -16661,7 +16661,7 @@
               <a:buNone/>
             </a:pPr>
             <a:r>
-              <a:rPr lang="en-US" sz="2339" b="1">
+              <a:rPr lang="en-US" sz="2339" b="1" dirty="0">
                 <a:solidFill>
                   <a:schemeClr val="dk1"/>
                 </a:solidFill>
@@ -16672,7 +16672,7 @@
               </a:rPr>
               <a:t>}</a:t>
             </a:r>
-            <a:endParaRPr/>
+            <a:endParaRPr dirty="0"/>
           </a:p>
           <a:p>
             <a:pPr marL="0" marR="0" lvl="0" indent="0" algn="l" rtl="0">
@@ -16690,7 +16690,7 @@
               <a:buNone/>
             </a:pPr>
             <a:r>
-              <a:rPr lang="en-US" sz="2339" b="1">
+              <a:rPr lang="en-US" sz="2339" b="1" dirty="0">
                 <a:solidFill>
                   <a:schemeClr val="dk1"/>
                 </a:solidFill>
@@ -16701,7 +16701,7 @@
               </a:rPr>
               <a:t>#nav {</a:t>
             </a:r>
-            <a:endParaRPr/>
+            <a:endParaRPr dirty="0"/>
           </a:p>
           <a:p>
             <a:pPr marL="0" marR="0" lvl="0" indent="0" algn="l" rtl="0">
@@ -16719,7 +16719,7 @@
               <a:buNone/>
             </a:pPr>
             <a:r>
-              <a:rPr lang="en-US" sz="2339" b="1">
+              <a:rPr lang="en-US" sz="2339" b="1" dirty="0">
                 <a:solidFill>
                   <a:schemeClr val="dk1"/>
                 </a:solidFill>
@@ -16730,7 +16730,7 @@
               </a:rPr>
               <a:t>    width: 30%;</a:t>
             </a:r>
-            <a:endParaRPr/>
+            <a:endParaRPr dirty="0"/>
           </a:p>
           <a:p>
             <a:pPr marL="0" marR="0" lvl="0" indent="0" algn="l" rtl="0">
@@ -16748,7 +16748,7 @@
               <a:buNone/>
             </a:pPr>
             <a:r>
-              <a:rPr lang="en-US" sz="2339" b="1">
+              <a:rPr lang="en-US" sz="2339" b="1" dirty="0">
                 <a:solidFill>
                   <a:schemeClr val="dk1"/>
                 </a:solidFill>
@@ -16759,7 +16759,7 @@
               </a:rPr>
               <a:t>    background-color: red;</a:t>
             </a:r>
-            <a:endParaRPr/>
+            <a:endParaRPr dirty="0"/>
           </a:p>
           <a:p>
             <a:pPr marL="0" marR="0" lvl="0" indent="0" algn="l" rtl="0">
@@ -16777,7 +16777,7 @@
               <a:buNone/>
             </a:pPr>
             <a:r>
-              <a:rPr lang="en-US" sz="2339" b="1">
+              <a:rPr lang="en-US" sz="2339" b="1" dirty="0">
                 <a:solidFill>
                   <a:schemeClr val="dk1"/>
                 </a:solidFill>
@@ -16788,7 +16788,7 @@
               </a:rPr>
               <a:t>    height: 100px;</a:t>
             </a:r>
-            <a:endParaRPr/>
+            <a:endParaRPr dirty="0"/>
           </a:p>
           <a:p>
             <a:pPr marL="0" marR="0" lvl="0" indent="0" algn="l" rtl="0">
@@ -16806,7 +16806,7 @@
               <a:buNone/>
             </a:pPr>
             <a:r>
-              <a:rPr lang="en-US" sz="2339" b="1">
+              <a:rPr lang="en-US" sz="2339" b="1" dirty="0">
                 <a:solidFill>
                   <a:schemeClr val="dk1"/>
                 </a:solidFill>
@@ -16817,7 +16817,7 @@
               </a:rPr>
               <a:t>    float: left;</a:t>
             </a:r>
-            <a:endParaRPr/>
+            <a:endParaRPr dirty="0"/>
           </a:p>
           <a:p>
             <a:pPr marL="0" marR="0" lvl="0" indent="0" algn="l" rtl="0">
@@ -16835,7 +16835,7 @@
               <a:buNone/>
             </a:pPr>
             <a:r>
-              <a:rPr lang="en-US" sz="2339" b="1">
+              <a:rPr lang="en-US" sz="2339" b="1" dirty="0">
                 <a:solidFill>
                   <a:schemeClr val="dk1"/>
                 </a:solidFill>
@@ -16846,7 +16846,7 @@
               </a:rPr>
               <a:t>}</a:t>
             </a:r>
-            <a:endParaRPr/>
+            <a:endParaRPr dirty="0"/>
           </a:p>
         </p:txBody>
       </p:sp>
@@ -17670,8 +17670,8 @@
         </p:blipFill>
         <p:spPr>
           <a:xfrm>
-            <a:off x="6630708" y="3056321"/>
-            <a:ext cx="4490996" cy="2276097"/>
+            <a:off x="7694762" y="880119"/>
+            <a:ext cx="4672492" cy="1661063"/>
           </a:xfrm>
           <a:prstGeom prst="rect">
             <a:avLst/>
